--- a/azure-load-balancing-options/slides/azure-load-balancing-options.pptx
+++ b/azure-load-balancing-options/slides/azure-load-balancing-options.pptx
@@ -5,7 +5,7 @@
     <p:sldMasterId id="2147483660" r:id="rId1"/>
   </p:sldMasterIdLst>
   <p:notesMasterIdLst>
-    <p:notesMasterId r:id="rId8"/>
+    <p:notesMasterId r:id="rId9"/>
   </p:notesMasterIdLst>
   <p:sldIdLst>
     <p:sldId id="2076136299" r:id="rId2"/>
@@ -13,7 +13,8 @@
     <p:sldId id="2076136325" r:id="rId4"/>
     <p:sldId id="260" r:id="rId5"/>
     <p:sldId id="259" r:id="rId6"/>
-    <p:sldId id="2076136302" r:id="rId7"/>
+    <p:sldId id="2076136326" r:id="rId7"/>
+    <p:sldId id="2076136302" r:id="rId8"/>
   </p:sldIdLst>
   <p:sldSz cx="12192000" cy="6858000"/>
   <p:notesSz cx="6858000" cy="9144000"/>
@@ -202,7 +203,7 @@
           <a:p>
             <a:fld id="{39ECB77B-8C2F-499B-AE9C-A56E6D14A93C}" type="datetimeFigureOut">
               <a:rPr lang="nb-NO" smtClean="0"/>
-              <a:t>01.02.2023</a:t>
+              <a:t>22.02.2023</a:t>
             </a:fld>
             <a:endParaRPr lang="nb-NO"/>
           </a:p>
@@ -833,6 +834,115 @@
 </file>
 
 <file path=ppt/notesSlides/notesSlide4.xml><?xml version="1.0" encoding="utf-8"?>
+<p:notes xmlns:a="http://schemas.openxmlformats.org/drawingml/2006/main" xmlns:r="http://schemas.openxmlformats.org/officeDocument/2006/relationships" xmlns:p="http://schemas.openxmlformats.org/presentationml/2006/main" showMasterSp="0" showMasterPhAnim="0">
+  <p:cSld>
+    <p:spTree>
+      <p:nvGrpSpPr>
+        <p:cNvPr id="1" name="Shape 64"/>
+        <p:cNvGrpSpPr/>
+        <p:nvPr/>
+      </p:nvGrpSpPr>
+      <p:grpSpPr>
+        <a:xfrm>
+          <a:off x="0" y="0"/>
+          <a:ext cx="0" cy="0"/>
+          <a:chOff x="0" y="0"/>
+          <a:chExt cx="0" cy="0"/>
+        </a:xfrm>
+      </p:grpSpPr>
+      <p:sp>
+        <p:nvSpPr>
+          <p:cNvPr id="65" name="Google Shape;65;g7fd950372b_1_3:notes"/>
+          <p:cNvSpPr>
+            <a:spLocks noGrp="1" noRot="1" noChangeAspect="1"/>
+          </p:cNvSpPr>
+          <p:nvPr>
+            <p:ph type="sldImg" idx="2"/>
+          </p:nvPr>
+        </p:nvSpPr>
+        <p:spPr>
+          <a:xfrm>
+            <a:off x="381000" y="685800"/>
+            <a:ext cx="6096000" cy="3429000"/>
+          </a:xfrm>
+          <a:custGeom>
+            <a:avLst/>
+            <a:gdLst/>
+            <a:ahLst/>
+            <a:cxnLst/>
+            <a:rect l="l" t="t" r="r" b="b"/>
+            <a:pathLst>
+              <a:path w="120000" h="120000" extrusionOk="0">
+                <a:moveTo>
+                  <a:pt x="0" y="0"/>
+                </a:moveTo>
+                <a:lnTo>
+                  <a:pt x="120000" y="0"/>
+                </a:lnTo>
+                <a:lnTo>
+                  <a:pt x="120000" y="120000"/>
+                </a:lnTo>
+                <a:lnTo>
+                  <a:pt x="0" y="120000"/>
+                </a:lnTo>
+                <a:close/>
+              </a:path>
+            </a:pathLst>
+          </a:custGeom>
+        </p:spPr>
+      </p:sp>
+      <p:sp>
+        <p:nvSpPr>
+          <p:cNvPr id="66" name="Google Shape;66;g7fd950372b_1_3:notes"/>
+          <p:cNvSpPr txBox="1">
+            <a:spLocks noGrp="1"/>
+          </p:cNvSpPr>
+          <p:nvPr>
+            <p:ph type="body" idx="1"/>
+          </p:nvPr>
+        </p:nvSpPr>
+        <p:spPr>
+          <a:xfrm>
+            <a:off x="685800" y="4343400"/>
+            <a:ext cx="5486400" cy="4114800"/>
+          </a:xfrm>
+          <a:prstGeom prst="rect">
+            <a:avLst/>
+          </a:prstGeom>
+        </p:spPr>
+        <p:txBody>
+          <a:bodyPr spcFirstLastPara="1" wrap="square" lIns="91425" tIns="91425" rIns="91425" bIns="91425" anchor="t" anchorCtr="0">
+            <a:noAutofit/>
+          </a:bodyPr>
+          <a:lstStyle/>
+          <a:p>
+            <a:pPr marL="0" lvl="0" indent="0" algn="l" rtl="0">
+              <a:spcBef>
+                <a:spcPts val="0"/>
+              </a:spcBef>
+              <a:spcAft>
+                <a:spcPts val="0"/>
+              </a:spcAft>
+              <a:buNone/>
+            </a:pPr>
+            <a:endParaRPr dirty="0"/>
+          </a:p>
+        </p:txBody>
+      </p:sp>
+    </p:spTree>
+    <p:extLst>
+      <p:ext uri="{BB962C8B-B14F-4D97-AF65-F5344CB8AC3E}">
+        <p14:creationId xmlns:p14="http://schemas.microsoft.com/office/powerpoint/2010/main" val="2965157252"/>
+      </p:ext>
+    </p:extLst>
+  </p:cSld>
+  <p:clrMapOvr>
+    <a:masterClrMapping/>
+  </p:clrMapOvr>
+</p:notes>
+</file>
+
+<file path=ppt/notesSlides/notesSlide5.xml><?xml version="1.0" encoding="utf-8"?>
 <p:notes xmlns:a="http://schemas.openxmlformats.org/drawingml/2006/main" xmlns:r="http://schemas.openxmlformats.org/officeDocument/2006/relationships" xmlns:p="http://schemas.openxmlformats.org/presentationml/2006/main">
   <p:cSld>
     <p:spTree>
@@ -944,7 +1054,7 @@
                 <a:tabLst/>
                 <a:defRPr/>
               </a:pPr>
-              <a:t>6</a:t>
+              <a:t>7</a:t>
             </a:fld>
             <a:endParaRPr kumimoji="0" lang="en-US" sz="1200" b="0" i="0" u="none" strike="noStrike" kern="1200" cap="none" spc="0" normalizeH="0" baseline="0" noProof="0">
               <a:ln>
@@ -1123,7 +1233,7 @@
           <a:p>
             <a:fld id="{CE88D40F-0E01-46E3-A0A3-09B1E418DDBF}" type="datetimeFigureOut">
               <a:rPr lang="en-US" smtClean="0"/>
-              <a:t>2/1/2023</a:t>
+              <a:t>2/22/2023</a:t>
             </a:fld>
             <a:endParaRPr lang="en-US"/>
           </a:p>
@@ -1321,7 +1431,7 @@
           <a:p>
             <a:fld id="{CE88D40F-0E01-46E3-A0A3-09B1E418DDBF}" type="datetimeFigureOut">
               <a:rPr lang="en-US" smtClean="0"/>
-              <a:t>2/1/2023</a:t>
+              <a:t>2/22/2023</a:t>
             </a:fld>
             <a:endParaRPr lang="en-US"/>
           </a:p>
@@ -1529,7 +1639,7 @@
           <a:p>
             <a:fld id="{CE88D40F-0E01-46E3-A0A3-09B1E418DDBF}" type="datetimeFigureOut">
               <a:rPr lang="en-US" smtClean="0"/>
-              <a:t>2/1/2023</a:t>
+              <a:t>2/22/2023</a:t>
             </a:fld>
             <a:endParaRPr lang="en-US"/>
           </a:p>
@@ -2086,7 +2196,7 @@
           <a:p>
             <a:fld id="{CE88D40F-0E01-46E3-A0A3-09B1E418DDBF}" type="datetimeFigureOut">
               <a:rPr lang="en-US" smtClean="0"/>
-              <a:t>2/1/2023</a:t>
+              <a:t>2/22/2023</a:t>
             </a:fld>
             <a:endParaRPr lang="en-US"/>
           </a:p>
@@ -2361,7 +2471,7 @@
           <a:p>
             <a:fld id="{CE88D40F-0E01-46E3-A0A3-09B1E418DDBF}" type="datetimeFigureOut">
               <a:rPr lang="en-US" smtClean="0"/>
-              <a:t>2/1/2023</a:t>
+              <a:t>2/22/2023</a:t>
             </a:fld>
             <a:endParaRPr lang="en-US"/>
           </a:p>
@@ -2626,7 +2736,7 @@
           <a:p>
             <a:fld id="{CE88D40F-0E01-46E3-A0A3-09B1E418DDBF}" type="datetimeFigureOut">
               <a:rPr lang="en-US" smtClean="0"/>
-              <a:t>2/1/2023</a:t>
+              <a:t>2/22/2023</a:t>
             </a:fld>
             <a:endParaRPr lang="en-US"/>
           </a:p>
@@ -3038,7 +3148,7 @@
           <a:p>
             <a:fld id="{CE88D40F-0E01-46E3-A0A3-09B1E418DDBF}" type="datetimeFigureOut">
               <a:rPr lang="en-US" smtClean="0"/>
-              <a:t>2/1/2023</a:t>
+              <a:t>2/22/2023</a:t>
             </a:fld>
             <a:endParaRPr lang="en-US"/>
           </a:p>
@@ -3179,7 +3289,7 @@
           <a:p>
             <a:fld id="{CE88D40F-0E01-46E3-A0A3-09B1E418DDBF}" type="datetimeFigureOut">
               <a:rPr lang="en-US" smtClean="0"/>
-              <a:t>2/1/2023</a:t>
+              <a:t>2/22/2023</a:t>
             </a:fld>
             <a:endParaRPr lang="en-US"/>
           </a:p>
@@ -3292,7 +3402,7 @@
           <a:p>
             <a:fld id="{CE88D40F-0E01-46E3-A0A3-09B1E418DDBF}" type="datetimeFigureOut">
               <a:rPr lang="en-US" smtClean="0"/>
-              <a:t>2/1/2023</a:t>
+              <a:t>2/22/2023</a:t>
             </a:fld>
             <a:endParaRPr lang="en-US"/>
           </a:p>
@@ -3603,7 +3713,7 @@
           <a:p>
             <a:fld id="{CE88D40F-0E01-46E3-A0A3-09B1E418DDBF}" type="datetimeFigureOut">
               <a:rPr lang="en-US" smtClean="0"/>
-              <a:t>2/1/2023</a:t>
+              <a:t>2/22/2023</a:t>
             </a:fld>
             <a:endParaRPr lang="en-US"/>
           </a:p>
@@ -3891,7 +4001,7 @@
           <a:p>
             <a:fld id="{CE88D40F-0E01-46E3-A0A3-09B1E418DDBF}" type="datetimeFigureOut">
               <a:rPr lang="en-US" smtClean="0"/>
-              <a:t>2/1/2023</a:t>
+              <a:t>2/22/2023</a:t>
             </a:fld>
             <a:endParaRPr lang="en-US"/>
           </a:p>
@@ -4132,7 +4242,7 @@
           <a:p>
             <a:fld id="{CE88D40F-0E01-46E3-A0A3-09B1E418DDBF}" type="datetimeFigureOut">
               <a:rPr lang="en-US" smtClean="0"/>
-              <a:t>2/1/2023</a:t>
+              <a:t>2/22/2023</a:t>
             </a:fld>
             <a:endParaRPr lang="en-US"/>
           </a:p>
@@ -6056,6 +6166,12 @@
           <a:p>
             <a:r>
               <a:rPr lang="en-US" dirty="0"/>
+              <a:t>[  ] Automate Domains and SSL certificates management on Azure</a:t>
+            </a:r>
+          </a:p>
+          <a:p>
+            <a:r>
+              <a:rPr lang="en-US" dirty="0"/>
               <a:t>[  ] Working with Azure Container Apps</a:t>
             </a:r>
           </a:p>
@@ -6978,6 +7094,172 @@
 </file>
 
 <file path=ppt/slides/slide6.xml><?xml version="1.0" encoding="utf-8"?>
+<p:sld xmlns:a="http://schemas.openxmlformats.org/drawingml/2006/main" xmlns:r="http://schemas.openxmlformats.org/officeDocument/2006/relationships" xmlns:p="http://schemas.openxmlformats.org/presentationml/2006/main">
+  <p:cSld>
+    <p:spTree>
+      <p:nvGrpSpPr>
+        <p:cNvPr id="1" name="Shape 67"/>
+        <p:cNvGrpSpPr/>
+        <p:nvPr/>
+      </p:nvGrpSpPr>
+      <p:grpSpPr>
+        <a:xfrm>
+          <a:off x="0" y="0"/>
+          <a:ext cx="0" cy="0"/>
+          <a:chOff x="0" y="0"/>
+          <a:chExt cx="0" cy="0"/>
+        </a:xfrm>
+      </p:grpSpPr>
+      <p:sp>
+        <p:nvSpPr>
+          <p:cNvPr id="68" name="Google Shape;68;p15"/>
+          <p:cNvSpPr txBox="1">
+            <a:spLocks noGrp="1"/>
+          </p:cNvSpPr>
+          <p:nvPr>
+            <p:ph type="title"/>
+          </p:nvPr>
+        </p:nvSpPr>
+        <p:spPr>
+          <a:xfrm>
+            <a:off x="415600" y="593367"/>
+            <a:ext cx="11360800" cy="763600"/>
+          </a:xfrm>
+          <a:prstGeom prst="rect">
+            <a:avLst/>
+          </a:prstGeom>
+        </p:spPr>
+        <p:txBody>
+          <a:bodyPr spcFirstLastPara="1" vert="horz" wrap="square" lIns="121900" tIns="121900" rIns="121900" bIns="121900" rtlCol="0" anchor="t" anchorCtr="0">
+            <a:noAutofit/>
+          </a:bodyPr>
+          <a:lstStyle/>
+          <a:p>
+            <a:r>
+              <a:rPr lang="nb-NO" dirty="0"/>
+              <a:t>Lab-01: preprovision labs infratsructure</a:t>
+            </a:r>
+            <a:endParaRPr dirty="0"/>
+          </a:p>
+        </p:txBody>
+      </p:sp>
+      <p:pic>
+        <p:nvPicPr>
+          <p:cNvPr id="5" name="Google Shape;56;p13">
+            <a:extLst>
+              <a:ext uri="{FF2B5EF4-FFF2-40B4-BE49-F238E27FC236}">
+                <a16:creationId xmlns:a16="http://schemas.microsoft.com/office/drawing/2014/main" id="{81B3B5C5-01A2-434D-A011-DC806F05B875}"/>
+              </a:ext>
+            </a:extLst>
+          </p:cNvPr>
+          <p:cNvPicPr preferRelativeResize="0"/>
+          <p:nvPr/>
+        </p:nvPicPr>
+        <p:blipFill>
+          <a:blip r:embed="rId3">
+            <a:alphaModFix/>
+          </a:blip>
+          <a:stretch>
+            <a:fillRect/>
+          </a:stretch>
+        </p:blipFill>
+        <p:spPr>
+          <a:xfrm>
+            <a:off x="10989179" y="5736492"/>
+            <a:ext cx="1202821" cy="1121508"/>
+          </a:xfrm>
+          <a:prstGeom prst="rect">
+            <a:avLst/>
+          </a:prstGeom>
+          <a:noFill/>
+          <a:ln>
+            <a:noFill/>
+          </a:ln>
+        </p:spPr>
+      </p:pic>
+      <p:pic>
+        <p:nvPicPr>
+          <p:cNvPr id="6" name="Graphic 4">
+            <a:extLst>
+              <a:ext uri="{FF2B5EF4-FFF2-40B4-BE49-F238E27FC236}">
+                <a16:creationId xmlns:a16="http://schemas.microsoft.com/office/drawing/2014/main" id="{07B61BD1-367F-4901-8B0F-609DA9F41A97}"/>
+              </a:ext>
+            </a:extLst>
+          </p:cNvPr>
+          <p:cNvPicPr>
+            <a:picLocks noChangeAspect="1"/>
+          </p:cNvPicPr>
+          <p:nvPr/>
+        </p:nvPicPr>
+        <p:blipFill>
+          <a:blip r:embed="rId4">
+            <a:extLst>
+              <a:ext uri="{28A0092B-C50C-407E-A947-70E740481C1C}">
+                <a14:useLocalDpi xmlns:a14="http://schemas.microsoft.com/office/drawing/2010/main" val="0"/>
+              </a:ext>
+              <a:ext uri="{96DAC541-7B7A-43D3-8B79-37D633B846F1}">
+                <asvg:svgBlip xmlns:asvg="http://schemas.microsoft.com/office/drawing/2016/SVG/main" r:embed="rId5"/>
+              </a:ext>
+            </a:extLst>
+          </a:blip>
+          <a:stretch>
+            <a:fillRect/>
+          </a:stretch>
+        </p:blipFill>
+        <p:spPr>
+          <a:xfrm>
+            <a:off x="375137" y="6121057"/>
+            <a:ext cx="1718444" cy="574556"/>
+          </a:xfrm>
+          <a:prstGeom prst="rect">
+            <a:avLst/>
+          </a:prstGeom>
+        </p:spPr>
+      </p:pic>
+      <p:pic>
+        <p:nvPicPr>
+          <p:cNvPr id="3" name="Picture 2">
+            <a:extLst>
+              <a:ext uri="{FF2B5EF4-FFF2-40B4-BE49-F238E27FC236}">
+                <a16:creationId xmlns:a16="http://schemas.microsoft.com/office/drawing/2014/main" id="{F9B76D37-27E2-51F3-44D5-39ECA6014916}"/>
+              </a:ext>
+            </a:extLst>
+          </p:cNvPr>
+          <p:cNvPicPr>
+            <a:picLocks noChangeAspect="1"/>
+          </p:cNvPicPr>
+          <p:nvPr/>
+        </p:nvPicPr>
+        <p:blipFill>
+          <a:blip r:embed="rId6"/>
+          <a:stretch>
+            <a:fillRect/>
+          </a:stretch>
+        </p:blipFill>
+        <p:spPr>
+          <a:xfrm>
+            <a:off x="2816352" y="1228954"/>
+            <a:ext cx="8266656" cy="5466659"/>
+          </a:xfrm>
+          <a:prstGeom prst="rect">
+            <a:avLst/>
+          </a:prstGeom>
+        </p:spPr>
+      </p:pic>
+    </p:spTree>
+    <p:extLst>
+      <p:ext uri="{BB962C8B-B14F-4D97-AF65-F5344CB8AC3E}">
+        <p14:creationId xmlns:p14="http://schemas.microsoft.com/office/powerpoint/2010/main" val="2887793203"/>
+      </p:ext>
+    </p:extLst>
+  </p:cSld>
+  <p:clrMapOvr>
+    <a:masterClrMapping/>
+  </p:clrMapOvr>
+</p:sld>
+</file>
+
+<file path=ppt/slides/slide7.xml><?xml version="1.0" encoding="utf-8"?>
 <p:sld xmlns:a="http://schemas.openxmlformats.org/drawingml/2006/main" xmlns:r="http://schemas.openxmlformats.org/officeDocument/2006/relationships" xmlns:p="http://schemas.openxmlformats.org/presentationml/2006/main">
   <p:cSld>
     <p:spTree>

--- a/azure-load-balancing-options/slides/azure-load-balancing-options.pptx
+++ b/azure-load-balancing-options/slides/azure-load-balancing-options.pptx
@@ -5,7 +5,7 @@
     <p:sldMasterId id="2147483660" r:id="rId1"/>
   </p:sldMasterIdLst>
   <p:notesMasterIdLst>
-    <p:notesMasterId r:id="rId28"/>
+    <p:notesMasterId r:id="rId30"/>
   </p:notesMasterIdLst>
   <p:sldIdLst>
     <p:sldId id="2076136299" r:id="rId2"/>
@@ -33,7 +33,9 @@
     <p:sldId id="2076136344" r:id="rId24"/>
     <p:sldId id="2076136345" r:id="rId25"/>
     <p:sldId id="2076136326" r:id="rId26"/>
-    <p:sldId id="2076136302" r:id="rId27"/>
+    <p:sldId id="2076136346" r:id="rId27"/>
+    <p:sldId id="2076136347" r:id="rId28"/>
+    <p:sldId id="2076136302" r:id="rId29"/>
   </p:sldIdLst>
   <p:sldSz cx="12192000" cy="6858000"/>
   <p:notesSz cx="6858000" cy="9144000"/>
@@ -3379,6 +3381,224 @@
 </file>
 
 <file path=ppt/notesSlides/notesSlide21.xml><?xml version="1.0" encoding="utf-8"?>
+<p:notes xmlns:a="http://schemas.openxmlformats.org/drawingml/2006/main" xmlns:r="http://schemas.openxmlformats.org/officeDocument/2006/relationships" xmlns:p="http://schemas.openxmlformats.org/presentationml/2006/main" showMasterSp="0" showMasterPhAnim="0">
+  <p:cSld>
+    <p:spTree>
+      <p:nvGrpSpPr>
+        <p:cNvPr id="1" name="Shape 64"/>
+        <p:cNvGrpSpPr/>
+        <p:nvPr/>
+      </p:nvGrpSpPr>
+      <p:grpSpPr>
+        <a:xfrm>
+          <a:off x="0" y="0"/>
+          <a:ext cx="0" cy="0"/>
+          <a:chOff x="0" y="0"/>
+          <a:chExt cx="0" cy="0"/>
+        </a:xfrm>
+      </p:grpSpPr>
+      <p:sp>
+        <p:nvSpPr>
+          <p:cNvPr id="65" name="Google Shape;65;g7fd950372b_1_3:notes"/>
+          <p:cNvSpPr>
+            <a:spLocks noGrp="1" noRot="1" noChangeAspect="1"/>
+          </p:cNvSpPr>
+          <p:nvPr>
+            <p:ph type="sldImg" idx="2"/>
+          </p:nvPr>
+        </p:nvSpPr>
+        <p:spPr>
+          <a:xfrm>
+            <a:off x="381000" y="685800"/>
+            <a:ext cx="6096000" cy="3429000"/>
+          </a:xfrm>
+          <a:custGeom>
+            <a:avLst/>
+            <a:gdLst/>
+            <a:ahLst/>
+            <a:cxnLst/>
+            <a:rect l="l" t="t" r="r" b="b"/>
+            <a:pathLst>
+              <a:path w="120000" h="120000" extrusionOk="0">
+                <a:moveTo>
+                  <a:pt x="0" y="0"/>
+                </a:moveTo>
+                <a:lnTo>
+                  <a:pt x="120000" y="0"/>
+                </a:lnTo>
+                <a:lnTo>
+                  <a:pt x="120000" y="120000"/>
+                </a:lnTo>
+                <a:lnTo>
+                  <a:pt x="0" y="120000"/>
+                </a:lnTo>
+                <a:close/>
+              </a:path>
+            </a:pathLst>
+          </a:custGeom>
+        </p:spPr>
+      </p:sp>
+      <p:sp>
+        <p:nvSpPr>
+          <p:cNvPr id="66" name="Google Shape;66;g7fd950372b_1_3:notes"/>
+          <p:cNvSpPr txBox="1">
+            <a:spLocks noGrp="1"/>
+          </p:cNvSpPr>
+          <p:nvPr>
+            <p:ph type="body" idx="1"/>
+          </p:nvPr>
+        </p:nvSpPr>
+        <p:spPr>
+          <a:xfrm>
+            <a:off x="685800" y="4343400"/>
+            <a:ext cx="5486400" cy="4114800"/>
+          </a:xfrm>
+          <a:prstGeom prst="rect">
+            <a:avLst/>
+          </a:prstGeom>
+        </p:spPr>
+        <p:txBody>
+          <a:bodyPr spcFirstLastPara="1" wrap="square" lIns="91425" tIns="91425" rIns="91425" bIns="91425" anchor="t" anchorCtr="0">
+            <a:noAutofit/>
+          </a:bodyPr>
+          <a:lstStyle/>
+          <a:p>
+            <a:pPr marL="0" lvl="0" indent="0" algn="l" rtl="0">
+              <a:spcBef>
+                <a:spcPts val="0"/>
+              </a:spcBef>
+              <a:spcAft>
+                <a:spcPts val="0"/>
+              </a:spcAft>
+              <a:buNone/>
+            </a:pPr>
+            <a:endParaRPr dirty="0"/>
+          </a:p>
+        </p:txBody>
+      </p:sp>
+    </p:spTree>
+    <p:extLst>
+      <p:ext uri="{BB962C8B-B14F-4D97-AF65-F5344CB8AC3E}">
+        <p14:creationId xmlns:p14="http://schemas.microsoft.com/office/powerpoint/2010/main" val="2079551672"/>
+      </p:ext>
+    </p:extLst>
+  </p:cSld>
+  <p:clrMapOvr>
+    <a:masterClrMapping/>
+  </p:clrMapOvr>
+</p:notes>
+</file>
+
+<file path=ppt/notesSlides/notesSlide22.xml><?xml version="1.0" encoding="utf-8"?>
+<p:notes xmlns:a="http://schemas.openxmlformats.org/drawingml/2006/main" xmlns:r="http://schemas.openxmlformats.org/officeDocument/2006/relationships" xmlns:p="http://schemas.openxmlformats.org/presentationml/2006/main" showMasterSp="0" showMasterPhAnim="0">
+  <p:cSld>
+    <p:spTree>
+      <p:nvGrpSpPr>
+        <p:cNvPr id="1" name="Shape 64"/>
+        <p:cNvGrpSpPr/>
+        <p:nvPr/>
+      </p:nvGrpSpPr>
+      <p:grpSpPr>
+        <a:xfrm>
+          <a:off x="0" y="0"/>
+          <a:ext cx="0" cy="0"/>
+          <a:chOff x="0" y="0"/>
+          <a:chExt cx="0" cy="0"/>
+        </a:xfrm>
+      </p:grpSpPr>
+      <p:sp>
+        <p:nvSpPr>
+          <p:cNvPr id="65" name="Google Shape;65;g7fd950372b_1_3:notes"/>
+          <p:cNvSpPr>
+            <a:spLocks noGrp="1" noRot="1" noChangeAspect="1"/>
+          </p:cNvSpPr>
+          <p:nvPr>
+            <p:ph type="sldImg" idx="2"/>
+          </p:nvPr>
+        </p:nvSpPr>
+        <p:spPr>
+          <a:xfrm>
+            <a:off x="381000" y="685800"/>
+            <a:ext cx="6096000" cy="3429000"/>
+          </a:xfrm>
+          <a:custGeom>
+            <a:avLst/>
+            <a:gdLst/>
+            <a:ahLst/>
+            <a:cxnLst/>
+            <a:rect l="l" t="t" r="r" b="b"/>
+            <a:pathLst>
+              <a:path w="120000" h="120000" extrusionOk="0">
+                <a:moveTo>
+                  <a:pt x="0" y="0"/>
+                </a:moveTo>
+                <a:lnTo>
+                  <a:pt x="120000" y="0"/>
+                </a:lnTo>
+                <a:lnTo>
+                  <a:pt x="120000" y="120000"/>
+                </a:lnTo>
+                <a:lnTo>
+                  <a:pt x="0" y="120000"/>
+                </a:lnTo>
+                <a:close/>
+              </a:path>
+            </a:pathLst>
+          </a:custGeom>
+        </p:spPr>
+      </p:sp>
+      <p:sp>
+        <p:nvSpPr>
+          <p:cNvPr id="66" name="Google Shape;66;g7fd950372b_1_3:notes"/>
+          <p:cNvSpPr txBox="1">
+            <a:spLocks noGrp="1"/>
+          </p:cNvSpPr>
+          <p:nvPr>
+            <p:ph type="body" idx="1"/>
+          </p:nvPr>
+        </p:nvSpPr>
+        <p:spPr>
+          <a:xfrm>
+            <a:off x="685800" y="4343400"/>
+            <a:ext cx="5486400" cy="4114800"/>
+          </a:xfrm>
+          <a:prstGeom prst="rect">
+            <a:avLst/>
+          </a:prstGeom>
+        </p:spPr>
+        <p:txBody>
+          <a:bodyPr spcFirstLastPara="1" wrap="square" lIns="91425" tIns="91425" rIns="91425" bIns="91425" anchor="t" anchorCtr="0">
+            <a:noAutofit/>
+          </a:bodyPr>
+          <a:lstStyle/>
+          <a:p>
+            <a:pPr marL="0" lvl="0" indent="0" algn="l" rtl="0">
+              <a:spcBef>
+                <a:spcPts val="0"/>
+              </a:spcBef>
+              <a:spcAft>
+                <a:spcPts val="0"/>
+              </a:spcAft>
+              <a:buNone/>
+            </a:pPr>
+            <a:endParaRPr dirty="0"/>
+          </a:p>
+        </p:txBody>
+      </p:sp>
+    </p:spTree>
+    <p:extLst>
+      <p:ext uri="{BB962C8B-B14F-4D97-AF65-F5344CB8AC3E}">
+        <p14:creationId xmlns:p14="http://schemas.microsoft.com/office/powerpoint/2010/main" val="4174521302"/>
+      </p:ext>
+    </p:extLst>
+  </p:cSld>
+  <p:clrMapOvr>
+    <a:masterClrMapping/>
+  </p:clrMapOvr>
+</p:notes>
+</file>
+
+<file path=ppt/notesSlides/notesSlide23.xml><?xml version="1.0" encoding="utf-8"?>
 <p:notes xmlns:a="http://schemas.openxmlformats.org/drawingml/2006/main" xmlns:r="http://schemas.openxmlformats.org/officeDocument/2006/relationships" xmlns:p="http://schemas.openxmlformats.org/presentationml/2006/main">
   <p:cSld>
     <p:spTree>
@@ -3490,7 +3710,7 @@
                 <a:tabLst/>
                 <a:defRPr/>
               </a:pPr>
-              <a:t>26</a:t>
+              <a:t>28</a:t>
             </a:fld>
             <a:endParaRPr kumimoji="0" lang="en-US" sz="1200" b="0" i="0" u="none" strike="noStrike" kern="1200" cap="none" spc="0" normalizeH="0" baseline="0" noProof="0">
               <a:ln>
@@ -15778,6 +15998,893 @@
 </file>
 
 <file path=ppt/slides/slide26.xml><?xml version="1.0" encoding="utf-8"?>
+<p:sld xmlns:a="http://schemas.openxmlformats.org/drawingml/2006/main" xmlns:r="http://schemas.openxmlformats.org/officeDocument/2006/relationships" xmlns:p="http://schemas.openxmlformats.org/presentationml/2006/main">
+  <p:cSld>
+    <p:spTree>
+      <p:nvGrpSpPr>
+        <p:cNvPr id="1" name="Shape 67"/>
+        <p:cNvGrpSpPr/>
+        <p:nvPr/>
+      </p:nvGrpSpPr>
+      <p:grpSpPr>
+        <a:xfrm>
+          <a:off x="0" y="0"/>
+          <a:ext cx="0" cy="0"/>
+          <a:chOff x="0" y="0"/>
+          <a:chExt cx="0" cy="0"/>
+        </a:xfrm>
+      </p:grpSpPr>
+      <p:sp>
+        <p:nvSpPr>
+          <p:cNvPr id="68" name="Google Shape;68;p15"/>
+          <p:cNvSpPr txBox="1">
+            <a:spLocks noGrp="1"/>
+          </p:cNvSpPr>
+          <p:nvPr>
+            <p:ph type="title"/>
+          </p:nvPr>
+        </p:nvSpPr>
+        <p:spPr>
+          <a:xfrm>
+            <a:off x="415600" y="593367"/>
+            <a:ext cx="11360800" cy="763600"/>
+          </a:xfrm>
+          <a:prstGeom prst="rect">
+            <a:avLst/>
+          </a:prstGeom>
+        </p:spPr>
+        <p:txBody>
+          <a:bodyPr spcFirstLastPara="1" vert="horz" wrap="square" lIns="121900" tIns="121900" rIns="121900" bIns="121900" rtlCol="0" anchor="t" anchorCtr="0">
+            <a:noAutofit/>
+          </a:bodyPr>
+          <a:lstStyle/>
+          <a:p>
+            <a:r>
+              <a:rPr lang="nb-NO" dirty="0"/>
+              <a:t>Lab-01: preprovision labs infratsructure</a:t>
+            </a:r>
+            <a:endParaRPr dirty="0"/>
+          </a:p>
+        </p:txBody>
+      </p:sp>
+      <p:pic>
+        <p:nvPicPr>
+          <p:cNvPr id="5" name="Google Shape;56;p13">
+            <a:extLst>
+              <a:ext uri="{FF2B5EF4-FFF2-40B4-BE49-F238E27FC236}">
+                <a16:creationId xmlns:a16="http://schemas.microsoft.com/office/drawing/2014/main" id="{81B3B5C5-01A2-434D-A011-DC806F05B875}"/>
+              </a:ext>
+            </a:extLst>
+          </p:cNvPr>
+          <p:cNvPicPr preferRelativeResize="0"/>
+          <p:nvPr/>
+        </p:nvPicPr>
+        <p:blipFill>
+          <a:blip r:embed="rId3">
+            <a:alphaModFix/>
+          </a:blip>
+          <a:stretch>
+            <a:fillRect/>
+          </a:stretch>
+        </p:blipFill>
+        <p:spPr>
+          <a:xfrm>
+            <a:off x="10989179" y="5736492"/>
+            <a:ext cx="1202821" cy="1121508"/>
+          </a:xfrm>
+          <a:prstGeom prst="rect">
+            <a:avLst/>
+          </a:prstGeom>
+          <a:noFill/>
+          <a:ln>
+            <a:noFill/>
+          </a:ln>
+        </p:spPr>
+      </p:pic>
+      <p:pic>
+        <p:nvPicPr>
+          <p:cNvPr id="6" name="Graphic 4">
+            <a:extLst>
+              <a:ext uri="{FF2B5EF4-FFF2-40B4-BE49-F238E27FC236}">
+                <a16:creationId xmlns:a16="http://schemas.microsoft.com/office/drawing/2014/main" id="{07B61BD1-367F-4901-8B0F-609DA9F41A97}"/>
+              </a:ext>
+            </a:extLst>
+          </p:cNvPr>
+          <p:cNvPicPr>
+            <a:picLocks noChangeAspect="1"/>
+          </p:cNvPicPr>
+          <p:nvPr/>
+        </p:nvPicPr>
+        <p:blipFill>
+          <a:blip r:embed="rId4">
+            <a:extLst>
+              <a:ext uri="{28A0092B-C50C-407E-A947-70E740481C1C}">
+                <a14:useLocalDpi xmlns:a14="http://schemas.microsoft.com/office/drawing/2010/main" val="0"/>
+              </a:ext>
+              <a:ext uri="{96DAC541-7B7A-43D3-8B79-37D633B846F1}">
+                <asvg:svgBlip xmlns:asvg="http://schemas.microsoft.com/office/drawing/2016/SVG/main" r:embed="rId5"/>
+              </a:ext>
+            </a:extLst>
+          </a:blip>
+          <a:stretch>
+            <a:fillRect/>
+          </a:stretch>
+        </p:blipFill>
+        <p:spPr>
+          <a:xfrm>
+            <a:off x="375137" y="6121057"/>
+            <a:ext cx="1718444" cy="574556"/>
+          </a:xfrm>
+          <a:prstGeom prst="rect">
+            <a:avLst/>
+          </a:prstGeom>
+        </p:spPr>
+      </p:pic>
+      <p:sp>
+        <p:nvSpPr>
+          <p:cNvPr id="2" name="Content Placeholder 2">
+            <a:extLst>
+              <a:ext uri="{FF2B5EF4-FFF2-40B4-BE49-F238E27FC236}">
+                <a16:creationId xmlns:a16="http://schemas.microsoft.com/office/drawing/2014/main" id="{A3C81630-325E-ACBE-667D-5EB9508C5DBC}"/>
+              </a:ext>
+            </a:extLst>
+          </p:cNvPr>
+          <p:cNvSpPr txBox="1">
+            <a:spLocks/>
+          </p:cNvSpPr>
+          <p:nvPr/>
+        </p:nvSpPr>
+        <p:spPr>
+          <a:xfrm>
+            <a:off x="838200" y="1825625"/>
+            <a:ext cx="9239250" cy="4351338"/>
+          </a:xfrm>
+          <a:prstGeom prst="rect">
+            <a:avLst/>
+          </a:prstGeom>
+        </p:spPr>
+        <p:txBody>
+          <a:bodyPr spcFirstLastPara="1" vert="horz" wrap="square" lIns="91425" tIns="91425" rIns="91425" bIns="91425" rtlCol="0" anchor="t" anchorCtr="0">
+            <a:normAutofit/>
+          </a:bodyPr>
+          <a:lstStyle>
+            <a:lvl1pPr marL="609585" lvl="0" indent="-457189" algn="l" defTabSz="914400" rtl="0" eaLnBrk="1" latinLnBrk="0" hangingPunct="1">
+              <a:lnSpc>
+                <a:spcPct val="90000"/>
+              </a:lnSpc>
+              <a:spcBef>
+                <a:spcPts val="0"/>
+              </a:spcBef>
+              <a:spcAft>
+                <a:spcPts val="0"/>
+              </a:spcAft>
+              <a:buSzPts val="1800"/>
+              <a:buFont typeface="Arial" panose="020B0604020202020204" pitchFamily="34" charset="0"/>
+              <a:buChar char="●"/>
+              <a:defRPr sz="2800" kern="1200">
+                <a:solidFill>
+                  <a:schemeClr val="tx1"/>
+                </a:solidFill>
+                <a:latin typeface="+mn-lt"/>
+                <a:ea typeface="+mn-ea"/>
+                <a:cs typeface="+mn-cs"/>
+              </a:defRPr>
+            </a:lvl1pPr>
+            <a:lvl2pPr marL="1219170" lvl="1" indent="-423323" algn="l" defTabSz="914400" rtl="0" eaLnBrk="1" latinLnBrk="0" hangingPunct="1">
+              <a:lnSpc>
+                <a:spcPct val="90000"/>
+              </a:lnSpc>
+              <a:spcBef>
+                <a:spcPts val="2133"/>
+              </a:spcBef>
+              <a:spcAft>
+                <a:spcPts val="0"/>
+              </a:spcAft>
+              <a:buSzPts val="1400"/>
+              <a:buFont typeface="Arial" panose="020B0604020202020204" pitchFamily="34" charset="0"/>
+              <a:buChar char="○"/>
+              <a:defRPr sz="2400" kern="1200">
+                <a:solidFill>
+                  <a:schemeClr val="tx1"/>
+                </a:solidFill>
+                <a:latin typeface="+mn-lt"/>
+                <a:ea typeface="+mn-ea"/>
+                <a:cs typeface="+mn-cs"/>
+              </a:defRPr>
+            </a:lvl2pPr>
+            <a:lvl3pPr marL="1828754" lvl="2" indent="-423323" algn="l" defTabSz="914400" rtl="0" eaLnBrk="1" latinLnBrk="0" hangingPunct="1">
+              <a:lnSpc>
+                <a:spcPct val="90000"/>
+              </a:lnSpc>
+              <a:spcBef>
+                <a:spcPts val="2133"/>
+              </a:spcBef>
+              <a:spcAft>
+                <a:spcPts val="0"/>
+              </a:spcAft>
+              <a:buSzPts val="1400"/>
+              <a:buFont typeface="Arial" panose="020B0604020202020204" pitchFamily="34" charset="0"/>
+              <a:buChar char="■"/>
+              <a:defRPr sz="2000" kern="1200">
+                <a:solidFill>
+                  <a:schemeClr val="tx1"/>
+                </a:solidFill>
+                <a:latin typeface="+mn-lt"/>
+                <a:ea typeface="+mn-ea"/>
+                <a:cs typeface="+mn-cs"/>
+              </a:defRPr>
+            </a:lvl3pPr>
+            <a:lvl4pPr marL="2438339" lvl="3" indent="-423323" algn="l" defTabSz="914400" rtl="0" eaLnBrk="1" latinLnBrk="0" hangingPunct="1">
+              <a:lnSpc>
+                <a:spcPct val="90000"/>
+              </a:lnSpc>
+              <a:spcBef>
+                <a:spcPts val="2133"/>
+              </a:spcBef>
+              <a:spcAft>
+                <a:spcPts val="0"/>
+              </a:spcAft>
+              <a:buSzPts val="1400"/>
+              <a:buFont typeface="Arial" panose="020B0604020202020204" pitchFamily="34" charset="0"/>
+              <a:buChar char="●"/>
+              <a:defRPr sz="1800" kern="1200">
+                <a:solidFill>
+                  <a:schemeClr val="tx1"/>
+                </a:solidFill>
+                <a:latin typeface="+mn-lt"/>
+                <a:ea typeface="+mn-ea"/>
+                <a:cs typeface="+mn-cs"/>
+              </a:defRPr>
+            </a:lvl4pPr>
+            <a:lvl5pPr marL="3047924" lvl="4" indent="-423323" algn="l" defTabSz="914400" rtl="0" eaLnBrk="1" latinLnBrk="0" hangingPunct="1">
+              <a:lnSpc>
+                <a:spcPct val="90000"/>
+              </a:lnSpc>
+              <a:spcBef>
+                <a:spcPts val="2133"/>
+              </a:spcBef>
+              <a:spcAft>
+                <a:spcPts val="0"/>
+              </a:spcAft>
+              <a:buSzPts val="1400"/>
+              <a:buFont typeface="Arial" panose="020B0604020202020204" pitchFamily="34" charset="0"/>
+              <a:buChar char="○"/>
+              <a:defRPr sz="1800" kern="1200">
+                <a:solidFill>
+                  <a:schemeClr val="tx1"/>
+                </a:solidFill>
+                <a:latin typeface="+mn-lt"/>
+                <a:ea typeface="+mn-ea"/>
+                <a:cs typeface="+mn-cs"/>
+              </a:defRPr>
+            </a:lvl5pPr>
+            <a:lvl6pPr marL="3657509" lvl="5" indent="-423323" algn="l" defTabSz="914400" rtl="0" eaLnBrk="1" latinLnBrk="0" hangingPunct="1">
+              <a:lnSpc>
+                <a:spcPct val="90000"/>
+              </a:lnSpc>
+              <a:spcBef>
+                <a:spcPts val="2133"/>
+              </a:spcBef>
+              <a:spcAft>
+                <a:spcPts val="0"/>
+              </a:spcAft>
+              <a:buSzPts val="1400"/>
+              <a:buFont typeface="Arial" panose="020B0604020202020204" pitchFamily="34" charset="0"/>
+              <a:buChar char="■"/>
+              <a:defRPr sz="1800" kern="1200">
+                <a:solidFill>
+                  <a:schemeClr val="tx1"/>
+                </a:solidFill>
+                <a:latin typeface="+mn-lt"/>
+                <a:ea typeface="+mn-ea"/>
+                <a:cs typeface="+mn-cs"/>
+              </a:defRPr>
+            </a:lvl6pPr>
+            <a:lvl7pPr marL="4267093" lvl="6" indent="-423323" algn="l" defTabSz="914400" rtl="0" eaLnBrk="1" latinLnBrk="0" hangingPunct="1">
+              <a:lnSpc>
+                <a:spcPct val="90000"/>
+              </a:lnSpc>
+              <a:spcBef>
+                <a:spcPts val="2133"/>
+              </a:spcBef>
+              <a:spcAft>
+                <a:spcPts val="0"/>
+              </a:spcAft>
+              <a:buSzPts val="1400"/>
+              <a:buFont typeface="Arial" panose="020B0604020202020204" pitchFamily="34" charset="0"/>
+              <a:buChar char="●"/>
+              <a:defRPr sz="1800" kern="1200">
+                <a:solidFill>
+                  <a:schemeClr val="tx1"/>
+                </a:solidFill>
+                <a:latin typeface="+mn-lt"/>
+                <a:ea typeface="+mn-ea"/>
+                <a:cs typeface="+mn-cs"/>
+              </a:defRPr>
+            </a:lvl7pPr>
+            <a:lvl8pPr marL="4876678" lvl="7" indent="-423323" algn="l" defTabSz="914400" rtl="0" eaLnBrk="1" latinLnBrk="0" hangingPunct="1">
+              <a:lnSpc>
+                <a:spcPct val="90000"/>
+              </a:lnSpc>
+              <a:spcBef>
+                <a:spcPts val="2133"/>
+              </a:spcBef>
+              <a:spcAft>
+                <a:spcPts val="0"/>
+              </a:spcAft>
+              <a:buSzPts val="1400"/>
+              <a:buFont typeface="Arial" panose="020B0604020202020204" pitchFamily="34" charset="0"/>
+              <a:buChar char="○"/>
+              <a:defRPr sz="1800" kern="1200">
+                <a:solidFill>
+                  <a:schemeClr val="tx1"/>
+                </a:solidFill>
+                <a:latin typeface="+mn-lt"/>
+                <a:ea typeface="+mn-ea"/>
+                <a:cs typeface="+mn-cs"/>
+              </a:defRPr>
+            </a:lvl8pPr>
+            <a:lvl9pPr marL="5486263" lvl="8" indent="-423323" algn="l" defTabSz="914400" rtl="0" eaLnBrk="1" latinLnBrk="0" hangingPunct="1">
+              <a:lnSpc>
+                <a:spcPct val="90000"/>
+              </a:lnSpc>
+              <a:spcBef>
+                <a:spcPts val="2133"/>
+              </a:spcBef>
+              <a:spcAft>
+                <a:spcPts val="2133"/>
+              </a:spcAft>
+              <a:buSzPts val="1400"/>
+              <a:buFont typeface="Arial" panose="020B0604020202020204" pitchFamily="34" charset="0"/>
+              <a:buChar char="■"/>
+              <a:defRPr sz="1800" kern="1200">
+                <a:solidFill>
+                  <a:schemeClr val="tx1"/>
+                </a:solidFill>
+                <a:latin typeface="+mn-lt"/>
+                <a:ea typeface="+mn-ea"/>
+                <a:cs typeface="+mn-cs"/>
+              </a:defRPr>
+            </a:lvl9pPr>
+          </a:lstStyle>
+          <a:p>
+            <a:r>
+              <a:rPr lang="en-US" dirty="0"/>
+              <a:t>3 peered Virtual networks</a:t>
+            </a:r>
+          </a:p>
+          <a:p>
+            <a:r>
+              <a:rPr lang="en-US" dirty="0"/>
+              <a:t>Bastion to securely remote into VMs</a:t>
+            </a:r>
+          </a:p>
+          <a:p>
+            <a:r>
+              <a:rPr lang="en-US" dirty="0"/>
+              <a:t>KeyVault to keep VM admin password </a:t>
+            </a:r>
+          </a:p>
+          <a:p>
+            <a:r>
+              <a:rPr lang="en-US" dirty="0"/>
+              <a:t>2 regions</a:t>
+            </a:r>
+          </a:p>
+          <a:p>
+            <a:r>
+              <a:rPr lang="en-US" dirty="0"/>
+              <a:t>4 VMs used at lab-02 - ALB</a:t>
+            </a:r>
+          </a:p>
+          <a:p>
+            <a:r>
+              <a:rPr lang="en-US" dirty="0"/>
+              <a:t>4 VMs used at lab-03 - AGW</a:t>
+            </a:r>
+          </a:p>
+          <a:p>
+            <a:r>
+              <a:rPr lang="en-US" dirty="0"/>
+              <a:t>2 public VMs used at lab-04 and lab-05</a:t>
+            </a:r>
+          </a:p>
+          <a:p>
+            <a:r>
+              <a:rPr lang="en-US" dirty="0"/>
+              <a:t>Azure Lad Testing to generate some load </a:t>
+            </a:r>
+          </a:p>
+          <a:p>
+            <a:pPr lvl="1"/>
+            <a:endParaRPr lang="en-US" dirty="0"/>
+          </a:p>
+          <a:p>
+            <a:pPr marL="0" indent="0">
+              <a:buFont typeface="Arial" panose="020B0604020202020204" pitchFamily="34" charset="0"/>
+              <a:buNone/>
+            </a:pPr>
+            <a:endParaRPr lang="en-US" dirty="0"/>
+          </a:p>
+        </p:txBody>
+      </p:sp>
+    </p:spTree>
+    <p:extLst>
+      <p:ext uri="{BB962C8B-B14F-4D97-AF65-F5344CB8AC3E}">
+        <p14:creationId xmlns:p14="http://schemas.microsoft.com/office/powerpoint/2010/main" val="1125122002"/>
+      </p:ext>
+    </p:extLst>
+  </p:cSld>
+  <p:clrMapOvr>
+    <a:masterClrMapping/>
+  </p:clrMapOvr>
+</p:sld>
+</file>
+
+<file path=ppt/slides/slide27.xml><?xml version="1.0" encoding="utf-8"?>
+<p:sld xmlns:a="http://schemas.openxmlformats.org/drawingml/2006/main" xmlns:r="http://schemas.openxmlformats.org/officeDocument/2006/relationships" xmlns:p="http://schemas.openxmlformats.org/presentationml/2006/main">
+  <p:cSld>
+    <p:spTree>
+      <p:nvGrpSpPr>
+        <p:cNvPr id="1" name="Shape 67"/>
+        <p:cNvGrpSpPr/>
+        <p:nvPr/>
+      </p:nvGrpSpPr>
+      <p:grpSpPr>
+        <a:xfrm>
+          <a:off x="0" y="0"/>
+          <a:ext cx="0" cy="0"/>
+          <a:chOff x="0" y="0"/>
+          <a:chExt cx="0" cy="0"/>
+        </a:xfrm>
+      </p:grpSpPr>
+      <p:sp>
+        <p:nvSpPr>
+          <p:cNvPr id="68" name="Google Shape;68;p15"/>
+          <p:cNvSpPr txBox="1">
+            <a:spLocks noGrp="1"/>
+          </p:cNvSpPr>
+          <p:nvPr>
+            <p:ph type="title"/>
+          </p:nvPr>
+        </p:nvSpPr>
+        <p:spPr>
+          <a:xfrm>
+            <a:off x="415600" y="593367"/>
+            <a:ext cx="11360800" cy="763600"/>
+          </a:xfrm>
+          <a:prstGeom prst="rect">
+            <a:avLst/>
+          </a:prstGeom>
+        </p:spPr>
+        <p:txBody>
+          <a:bodyPr spcFirstLastPara="1" vert="horz" wrap="square" lIns="121900" tIns="121900" rIns="121900" bIns="121900" rtlCol="0" anchor="t" anchorCtr="0">
+            <a:noAutofit/>
+          </a:bodyPr>
+          <a:lstStyle/>
+          <a:p>
+            <a:r>
+              <a:rPr lang="nb-NO" dirty="0"/>
+              <a:t>Lab-01: preprovision labs infratsructure</a:t>
+            </a:r>
+            <a:endParaRPr dirty="0"/>
+          </a:p>
+        </p:txBody>
+      </p:sp>
+      <p:pic>
+        <p:nvPicPr>
+          <p:cNvPr id="5" name="Google Shape;56;p13">
+            <a:extLst>
+              <a:ext uri="{FF2B5EF4-FFF2-40B4-BE49-F238E27FC236}">
+                <a16:creationId xmlns:a16="http://schemas.microsoft.com/office/drawing/2014/main" id="{81B3B5C5-01A2-434D-A011-DC806F05B875}"/>
+              </a:ext>
+            </a:extLst>
+          </p:cNvPr>
+          <p:cNvPicPr preferRelativeResize="0"/>
+          <p:nvPr/>
+        </p:nvPicPr>
+        <p:blipFill>
+          <a:blip r:embed="rId3">
+            <a:alphaModFix/>
+          </a:blip>
+          <a:stretch>
+            <a:fillRect/>
+          </a:stretch>
+        </p:blipFill>
+        <p:spPr>
+          <a:xfrm>
+            <a:off x="10989179" y="5736492"/>
+            <a:ext cx="1202821" cy="1121508"/>
+          </a:xfrm>
+          <a:prstGeom prst="rect">
+            <a:avLst/>
+          </a:prstGeom>
+          <a:noFill/>
+          <a:ln>
+            <a:noFill/>
+          </a:ln>
+        </p:spPr>
+      </p:pic>
+      <p:pic>
+        <p:nvPicPr>
+          <p:cNvPr id="6" name="Graphic 4">
+            <a:extLst>
+              <a:ext uri="{FF2B5EF4-FFF2-40B4-BE49-F238E27FC236}">
+                <a16:creationId xmlns:a16="http://schemas.microsoft.com/office/drawing/2014/main" id="{07B61BD1-367F-4901-8B0F-609DA9F41A97}"/>
+              </a:ext>
+            </a:extLst>
+          </p:cNvPr>
+          <p:cNvPicPr>
+            <a:picLocks noChangeAspect="1"/>
+          </p:cNvPicPr>
+          <p:nvPr/>
+        </p:nvPicPr>
+        <p:blipFill>
+          <a:blip r:embed="rId4">
+            <a:extLst>
+              <a:ext uri="{28A0092B-C50C-407E-A947-70E740481C1C}">
+                <a14:useLocalDpi xmlns:a14="http://schemas.microsoft.com/office/drawing/2010/main" val="0"/>
+              </a:ext>
+              <a:ext uri="{96DAC541-7B7A-43D3-8B79-37D633B846F1}">
+                <asvg:svgBlip xmlns:asvg="http://schemas.microsoft.com/office/drawing/2016/SVG/main" r:embed="rId5"/>
+              </a:ext>
+            </a:extLst>
+          </a:blip>
+          <a:stretch>
+            <a:fillRect/>
+          </a:stretch>
+        </p:blipFill>
+        <p:spPr>
+          <a:xfrm>
+            <a:off x="375137" y="6121057"/>
+            <a:ext cx="1718444" cy="574556"/>
+          </a:xfrm>
+          <a:prstGeom prst="rect">
+            <a:avLst/>
+          </a:prstGeom>
+        </p:spPr>
+      </p:pic>
+      <p:sp>
+        <p:nvSpPr>
+          <p:cNvPr id="2" name="Content Placeholder 2">
+            <a:extLst>
+              <a:ext uri="{FF2B5EF4-FFF2-40B4-BE49-F238E27FC236}">
+                <a16:creationId xmlns:a16="http://schemas.microsoft.com/office/drawing/2014/main" id="{A3C81630-325E-ACBE-667D-5EB9508C5DBC}"/>
+              </a:ext>
+            </a:extLst>
+          </p:cNvPr>
+          <p:cNvSpPr txBox="1">
+            <a:spLocks/>
+          </p:cNvSpPr>
+          <p:nvPr/>
+        </p:nvSpPr>
+        <p:spPr>
+          <a:xfrm>
+            <a:off x="838200" y="1825625"/>
+            <a:ext cx="9239250" cy="4351338"/>
+          </a:xfrm>
+          <a:prstGeom prst="rect">
+            <a:avLst/>
+          </a:prstGeom>
+        </p:spPr>
+        <p:txBody>
+          <a:bodyPr spcFirstLastPara="1" vert="horz" wrap="square" lIns="91425" tIns="91425" rIns="91425" bIns="91425" rtlCol="0" anchor="t" anchorCtr="0">
+            <a:normAutofit/>
+          </a:bodyPr>
+          <a:lstStyle>
+            <a:lvl1pPr marL="609585" lvl="0" indent="-457189" algn="l" defTabSz="914400" rtl="0" eaLnBrk="1" latinLnBrk="0" hangingPunct="1">
+              <a:lnSpc>
+                <a:spcPct val="90000"/>
+              </a:lnSpc>
+              <a:spcBef>
+                <a:spcPts val="0"/>
+              </a:spcBef>
+              <a:spcAft>
+                <a:spcPts val="0"/>
+              </a:spcAft>
+              <a:buSzPts val="1800"/>
+              <a:buFont typeface="Arial" panose="020B0604020202020204" pitchFamily="34" charset="0"/>
+              <a:buChar char="●"/>
+              <a:defRPr sz="2800" kern="1200">
+                <a:solidFill>
+                  <a:schemeClr val="tx1"/>
+                </a:solidFill>
+                <a:latin typeface="+mn-lt"/>
+                <a:ea typeface="+mn-ea"/>
+                <a:cs typeface="+mn-cs"/>
+              </a:defRPr>
+            </a:lvl1pPr>
+            <a:lvl2pPr marL="1219170" lvl="1" indent="-423323" algn="l" defTabSz="914400" rtl="0" eaLnBrk="1" latinLnBrk="0" hangingPunct="1">
+              <a:lnSpc>
+                <a:spcPct val="90000"/>
+              </a:lnSpc>
+              <a:spcBef>
+                <a:spcPts val="2133"/>
+              </a:spcBef>
+              <a:spcAft>
+                <a:spcPts val="0"/>
+              </a:spcAft>
+              <a:buSzPts val="1400"/>
+              <a:buFont typeface="Arial" panose="020B0604020202020204" pitchFamily="34" charset="0"/>
+              <a:buChar char="○"/>
+              <a:defRPr sz="2400" kern="1200">
+                <a:solidFill>
+                  <a:schemeClr val="tx1"/>
+                </a:solidFill>
+                <a:latin typeface="+mn-lt"/>
+                <a:ea typeface="+mn-ea"/>
+                <a:cs typeface="+mn-cs"/>
+              </a:defRPr>
+            </a:lvl2pPr>
+            <a:lvl3pPr marL="1828754" lvl="2" indent="-423323" algn="l" defTabSz="914400" rtl="0" eaLnBrk="1" latinLnBrk="0" hangingPunct="1">
+              <a:lnSpc>
+                <a:spcPct val="90000"/>
+              </a:lnSpc>
+              <a:spcBef>
+                <a:spcPts val="2133"/>
+              </a:spcBef>
+              <a:spcAft>
+                <a:spcPts val="0"/>
+              </a:spcAft>
+              <a:buSzPts val="1400"/>
+              <a:buFont typeface="Arial" panose="020B0604020202020204" pitchFamily="34" charset="0"/>
+              <a:buChar char="■"/>
+              <a:defRPr sz="2000" kern="1200">
+                <a:solidFill>
+                  <a:schemeClr val="tx1"/>
+                </a:solidFill>
+                <a:latin typeface="+mn-lt"/>
+                <a:ea typeface="+mn-ea"/>
+                <a:cs typeface="+mn-cs"/>
+              </a:defRPr>
+            </a:lvl3pPr>
+            <a:lvl4pPr marL="2438339" lvl="3" indent="-423323" algn="l" defTabSz="914400" rtl="0" eaLnBrk="1" latinLnBrk="0" hangingPunct="1">
+              <a:lnSpc>
+                <a:spcPct val="90000"/>
+              </a:lnSpc>
+              <a:spcBef>
+                <a:spcPts val="2133"/>
+              </a:spcBef>
+              <a:spcAft>
+                <a:spcPts val="0"/>
+              </a:spcAft>
+              <a:buSzPts val="1400"/>
+              <a:buFont typeface="Arial" panose="020B0604020202020204" pitchFamily="34" charset="0"/>
+              <a:buChar char="●"/>
+              <a:defRPr sz="1800" kern="1200">
+                <a:solidFill>
+                  <a:schemeClr val="tx1"/>
+                </a:solidFill>
+                <a:latin typeface="+mn-lt"/>
+                <a:ea typeface="+mn-ea"/>
+                <a:cs typeface="+mn-cs"/>
+              </a:defRPr>
+            </a:lvl4pPr>
+            <a:lvl5pPr marL="3047924" lvl="4" indent="-423323" algn="l" defTabSz="914400" rtl="0" eaLnBrk="1" latinLnBrk="0" hangingPunct="1">
+              <a:lnSpc>
+                <a:spcPct val="90000"/>
+              </a:lnSpc>
+              <a:spcBef>
+                <a:spcPts val="2133"/>
+              </a:spcBef>
+              <a:spcAft>
+                <a:spcPts val="0"/>
+              </a:spcAft>
+              <a:buSzPts val="1400"/>
+              <a:buFont typeface="Arial" panose="020B0604020202020204" pitchFamily="34" charset="0"/>
+              <a:buChar char="○"/>
+              <a:defRPr sz="1800" kern="1200">
+                <a:solidFill>
+                  <a:schemeClr val="tx1"/>
+                </a:solidFill>
+                <a:latin typeface="+mn-lt"/>
+                <a:ea typeface="+mn-ea"/>
+                <a:cs typeface="+mn-cs"/>
+              </a:defRPr>
+            </a:lvl5pPr>
+            <a:lvl6pPr marL="3657509" lvl="5" indent="-423323" algn="l" defTabSz="914400" rtl="0" eaLnBrk="1" latinLnBrk="0" hangingPunct="1">
+              <a:lnSpc>
+                <a:spcPct val="90000"/>
+              </a:lnSpc>
+              <a:spcBef>
+                <a:spcPts val="2133"/>
+              </a:spcBef>
+              <a:spcAft>
+                <a:spcPts val="0"/>
+              </a:spcAft>
+              <a:buSzPts val="1400"/>
+              <a:buFont typeface="Arial" panose="020B0604020202020204" pitchFamily="34" charset="0"/>
+              <a:buChar char="■"/>
+              <a:defRPr sz="1800" kern="1200">
+                <a:solidFill>
+                  <a:schemeClr val="tx1"/>
+                </a:solidFill>
+                <a:latin typeface="+mn-lt"/>
+                <a:ea typeface="+mn-ea"/>
+                <a:cs typeface="+mn-cs"/>
+              </a:defRPr>
+            </a:lvl6pPr>
+            <a:lvl7pPr marL="4267093" lvl="6" indent="-423323" algn="l" defTabSz="914400" rtl="0" eaLnBrk="1" latinLnBrk="0" hangingPunct="1">
+              <a:lnSpc>
+                <a:spcPct val="90000"/>
+              </a:lnSpc>
+              <a:spcBef>
+                <a:spcPts val="2133"/>
+              </a:spcBef>
+              <a:spcAft>
+                <a:spcPts val="0"/>
+              </a:spcAft>
+              <a:buSzPts val="1400"/>
+              <a:buFont typeface="Arial" panose="020B0604020202020204" pitchFamily="34" charset="0"/>
+              <a:buChar char="●"/>
+              <a:defRPr sz="1800" kern="1200">
+                <a:solidFill>
+                  <a:schemeClr val="tx1"/>
+                </a:solidFill>
+                <a:latin typeface="+mn-lt"/>
+                <a:ea typeface="+mn-ea"/>
+                <a:cs typeface="+mn-cs"/>
+              </a:defRPr>
+            </a:lvl7pPr>
+            <a:lvl8pPr marL="4876678" lvl="7" indent="-423323" algn="l" defTabSz="914400" rtl="0" eaLnBrk="1" latinLnBrk="0" hangingPunct="1">
+              <a:lnSpc>
+                <a:spcPct val="90000"/>
+              </a:lnSpc>
+              <a:spcBef>
+                <a:spcPts val="2133"/>
+              </a:spcBef>
+              <a:spcAft>
+                <a:spcPts val="0"/>
+              </a:spcAft>
+              <a:buSzPts val="1400"/>
+              <a:buFont typeface="Arial" panose="020B0604020202020204" pitchFamily="34" charset="0"/>
+              <a:buChar char="○"/>
+              <a:defRPr sz="1800" kern="1200">
+                <a:solidFill>
+                  <a:schemeClr val="tx1"/>
+                </a:solidFill>
+                <a:latin typeface="+mn-lt"/>
+                <a:ea typeface="+mn-ea"/>
+                <a:cs typeface="+mn-cs"/>
+              </a:defRPr>
+            </a:lvl8pPr>
+            <a:lvl9pPr marL="5486263" lvl="8" indent="-423323" algn="l" defTabSz="914400" rtl="0" eaLnBrk="1" latinLnBrk="0" hangingPunct="1">
+              <a:lnSpc>
+                <a:spcPct val="90000"/>
+              </a:lnSpc>
+              <a:spcBef>
+                <a:spcPts val="2133"/>
+              </a:spcBef>
+              <a:spcAft>
+                <a:spcPts val="2133"/>
+              </a:spcAft>
+              <a:buSzPts val="1400"/>
+              <a:buFont typeface="Arial" panose="020B0604020202020204" pitchFamily="34" charset="0"/>
+              <a:buChar char="■"/>
+              <a:defRPr sz="1800" kern="1200">
+                <a:solidFill>
+                  <a:schemeClr val="tx1"/>
+                </a:solidFill>
+                <a:latin typeface="+mn-lt"/>
+                <a:ea typeface="+mn-ea"/>
+                <a:cs typeface="+mn-cs"/>
+              </a:defRPr>
+            </a:lvl9pPr>
+          </a:lstStyle>
+          <a:p>
+            <a:pPr marL="152396" indent="0">
+              <a:buNone/>
+            </a:pPr>
+            <a:r>
+              <a:rPr lang="en-US" b="1" dirty="0"/>
+              <a:t>Virtual Machine configuration</a:t>
+            </a:r>
+          </a:p>
+          <a:p>
+            <a:pPr marL="152396" indent="0">
+              <a:buNone/>
+            </a:pPr>
+            <a:endParaRPr lang="en-US" dirty="0"/>
+          </a:p>
+          <a:p>
+            <a:pPr marL="152396" indent="0">
+              <a:buNone/>
+            </a:pPr>
+            <a:r>
+              <a:rPr lang="en-US" dirty="0"/>
+              <a:t>All  workload VMs have IIS installed using </a:t>
+            </a:r>
+          </a:p>
+          <a:p>
+            <a:r>
+              <a:rPr lang="en-US" dirty="0"/>
+              <a:t>iac/lab-01/scripts/iis-eastus.ps1 </a:t>
+            </a:r>
+          </a:p>
+          <a:p>
+            <a:r>
+              <a:rPr lang="en-US" dirty="0"/>
+              <a:t>iac/lab-01/scripts/ iis-norwayeast.ps1 </a:t>
+            </a:r>
+          </a:p>
+          <a:p>
+            <a:pPr marL="152396" indent="0">
+              <a:buNone/>
+            </a:pPr>
+            <a:r>
+              <a:rPr lang="en-US" dirty="0"/>
+              <a:t>scripts</a:t>
+            </a:r>
+          </a:p>
+          <a:p>
+            <a:pPr marL="152396" indent="0">
+              <a:buNone/>
+            </a:pPr>
+            <a:endParaRPr lang="en-US" dirty="0"/>
+          </a:p>
+          <a:p>
+            <a:pPr marL="152396" indent="0">
+              <a:buNone/>
+            </a:pPr>
+            <a:endParaRPr lang="en-US" dirty="0"/>
+          </a:p>
+          <a:p>
+            <a:pPr lvl="1"/>
+            <a:endParaRPr lang="en-US" dirty="0"/>
+          </a:p>
+          <a:p>
+            <a:pPr marL="0" indent="0">
+              <a:buFont typeface="Arial" panose="020B0604020202020204" pitchFamily="34" charset="0"/>
+              <a:buNone/>
+            </a:pPr>
+            <a:endParaRPr lang="en-US" dirty="0"/>
+          </a:p>
+        </p:txBody>
+      </p:sp>
+      <p:pic>
+        <p:nvPicPr>
+          <p:cNvPr id="4" name="Picture 3">
+            <a:extLst>
+              <a:ext uri="{FF2B5EF4-FFF2-40B4-BE49-F238E27FC236}">
+                <a16:creationId xmlns:a16="http://schemas.microsoft.com/office/drawing/2014/main" id="{3214BC41-A061-FF61-77DB-9E83AC13C08D}"/>
+              </a:ext>
+            </a:extLst>
+          </p:cNvPr>
+          <p:cNvPicPr>
+            <a:picLocks noChangeAspect="1"/>
+          </p:cNvPicPr>
+          <p:nvPr/>
+        </p:nvPicPr>
+        <p:blipFill>
+          <a:blip r:embed="rId6"/>
+          <a:stretch>
+            <a:fillRect/>
+          </a:stretch>
+        </p:blipFill>
+        <p:spPr>
+          <a:xfrm>
+            <a:off x="730371" y="4440760"/>
+            <a:ext cx="10344533" cy="1676119"/>
+          </a:xfrm>
+          <a:prstGeom prst="rect">
+            <a:avLst/>
+          </a:prstGeom>
+        </p:spPr>
+      </p:pic>
+    </p:spTree>
+    <p:extLst>
+      <p:ext uri="{BB962C8B-B14F-4D97-AF65-F5344CB8AC3E}">
+        <p14:creationId xmlns:p14="http://schemas.microsoft.com/office/powerpoint/2010/main" val="1688026338"/>
+      </p:ext>
+    </p:extLst>
+  </p:cSld>
+  <p:clrMapOvr>
+    <a:masterClrMapping/>
+  </p:clrMapOvr>
+</p:sld>
+</file>
+
+<file path=ppt/slides/slide28.xml><?xml version="1.0" encoding="utf-8"?>
 <p:sld xmlns:a="http://schemas.openxmlformats.org/drawingml/2006/main" xmlns:r="http://schemas.openxmlformats.org/officeDocument/2006/relationships" xmlns:p="http://schemas.openxmlformats.org/presentationml/2006/main">
   <p:cSld>
     <p:spTree>
